--- a/Slides/R/Introduction to  R_Visualization.pptx
+++ b/Slides/R/Introduction to  R_Visualization.pptx
@@ -4217,7 +4217,14 @@
           <a:bodyPr/>
           <a:lstStyle/>
           <a:p>
-            <a:endParaRPr lang="en-US"/>
+            <a:pPr marL="0" indent="0">
+              <a:buNone/>
+            </a:pPr>
+            <a:r>
+              <a:rPr lang="en-US" dirty="0" smtClean="0"/>
+              <a:t>Moved to the next level session</a:t>
+            </a:r>
+            <a:endParaRPr lang="en-US" dirty="0"/>
           </a:p>
         </p:txBody>
       </p:sp>
@@ -4330,7 +4337,6 @@
               <a:rPr lang="en-US" dirty="0"/>
               <a:t>Hadley Wickham</a:t>
             </a:r>
-            <a:endParaRPr lang="en-US" dirty="0"/>
           </a:p>
         </p:txBody>
       </p:sp>
@@ -4435,7 +4441,6 @@
               <a:rPr lang="en-US" dirty="0"/>
               <a:t>, price, data = diamonds)</a:t>
             </a:r>
-            <a:endParaRPr lang="en-US" dirty="0"/>
           </a:p>
         </p:txBody>
       </p:sp>
@@ -4927,9 +4932,6 @@
               </a:rPr>
               <a:t>" draw lines between the data points.</a:t>
             </a:r>
-            <a:endParaRPr lang="en-US" sz="2000" dirty="0">
-              <a:latin typeface="Calibri" panose="020F0502020204030204" pitchFamily="34" charset="0"/>
-            </a:endParaRPr>
           </a:p>
         </p:txBody>
       </p:sp>
